--- a/BookShopSlides.pptx
+++ b/BookShopSlides.pptx
@@ -4500,7 +4500,7 @@
         <p:push/>
       </p:transition>
     </mc:Choice>
-    <mc:Fallback xmlns="" xmlns:mv="urn:schemas-microsoft-com:mac:vml" xmlns:c="http://schemas.openxmlformats.org/drawingml/2006/chart" xmlns:dgm="http://schemas.openxmlformats.org/drawingml/2006/diagram" xmlns:o="urn:schemas-microsoft-com:office:office" xmlns:v="urn:schemas-microsoft-com:vml" xmlns:pvml="urn:schemas-microsoft-com:office:powerpoint" xmlns:com="http://schemas.openxmlformats.org/drawingml/2006/compatibility" xmlns:p15="http://schemas.microsoft.com/office/powerpoint/2012/main" xmlns:ahyp="http://schemas.microsoft.com/office/drawing/2018/hyperlinkcolor">
+    <mc:Fallback xmlns:ahyp="http://schemas.microsoft.com/office/drawing/2018/hyperlinkcolor" xmlns:p15="http://schemas.microsoft.com/office/powerpoint/2012/main" xmlns:com="http://schemas.openxmlformats.org/drawingml/2006/compatibility" xmlns:pvml="urn:schemas-microsoft-com:office:powerpoint" xmlns:v="urn:schemas-microsoft-com:vml" xmlns:o="urn:schemas-microsoft-com:office:office" xmlns:dgm="http://schemas.openxmlformats.org/drawingml/2006/diagram" xmlns:c="http://schemas.openxmlformats.org/drawingml/2006/chart" xmlns:mv="urn:schemas-microsoft-com:mac:vml" xmlns="">
       <p:transition spd="slow">
         <p:fade/>
       </p:transition>
@@ -10584,7 +10584,7 @@
             </a:pPr>
             <a:r>
               <a:rPr lang="en" dirty="0" smtClean="0"/>
-              <a:t>87</a:t>
+              <a:t>79</a:t>
             </a:r>
             <a:endParaRPr dirty="0"/>
           </a:p>
@@ -10595,11 +10595,11 @@
   <p:clrMapOvr>
     <a:masterClrMapping/>
   </p:clrMapOvr>
-  <mc:AlternateContent xmlns:mc="http://schemas.openxmlformats.org/markup-compatibility/2006">
-    <mc:Choice xmlns:p14="http://schemas.microsoft.com/office/powerpoint/2010/main" Requires="p14">
+  <mc:AlternateContent xmlns:mc="http://schemas.openxmlformats.org/markup-compatibility/2006" xmlns:p14="http://schemas.microsoft.com/office/powerpoint/2010/main">
+    <mc:Choice Requires="p14">
       <p:transition p14:dur="0"/>
     </mc:Choice>
-    <mc:Fallback>
+    <mc:Fallback xmlns="">
       <p:transition/>
     </mc:Fallback>
   </mc:AlternateContent>
@@ -10705,7 +10705,43 @@
             </a:pPr>
             <a:r>
               <a:rPr lang="bg-BG" sz="2000" dirty="0" smtClean="0"/>
-              <a:t>Проектът цели да предостави онлайн платформа за търговия на учебници и учебни помагала втора ръка. Чрез него учениците лесно могат да намерят учебници готови за купуване.</a:t>
+              <a:t>Проектът цели да предостави онлайн платформа за търговия на учебници и учебни помагала втора ръка. Чрез него учениците </a:t>
+            </a:r>
+            <a:r>
+              <a:rPr lang="bg-BG" sz="2000" dirty="0" smtClean="0"/>
+              <a:t>могат </a:t>
+            </a:r>
+            <a:r>
+              <a:rPr lang="bg-BG" sz="2000" dirty="0" smtClean="0"/>
+              <a:t>лесно да </a:t>
+            </a:r>
+            <a:r>
+              <a:rPr lang="bg-BG" sz="2000" dirty="0" smtClean="0"/>
+              <a:t>намерят </a:t>
+            </a:r>
+            <a:r>
+              <a:rPr lang="bg-BG" sz="2000" dirty="0" smtClean="0"/>
+              <a:t>учебници</a:t>
+            </a:r>
+            <a:r>
+              <a:rPr lang="en-US" sz="2000" dirty="0" smtClean="0"/>
+              <a:t>,</a:t>
+            </a:r>
+            <a:r>
+              <a:rPr lang="bg-BG" sz="2000" dirty="0" smtClean="0"/>
+              <a:t> </a:t>
+            </a:r>
+            <a:r>
+              <a:rPr lang="bg-BG" sz="2000" dirty="0" smtClean="0"/>
+              <a:t>готови за </a:t>
+            </a:r>
+            <a:r>
+              <a:rPr lang="bg-BG" sz="2000" dirty="0" smtClean="0"/>
+              <a:t>закупуване</a:t>
+            </a:r>
+            <a:r>
+              <a:rPr lang="bg-BG" sz="2000" dirty="0" smtClean="0"/>
+              <a:t>.</a:t>
             </a:r>
             <a:endParaRPr lang="bg-BG" sz="2000" dirty="0"/>
           </a:p>
@@ -10740,13 +10776,13 @@
   <p:clrMapOvr>
     <a:masterClrMapping/>
   </p:clrMapOvr>
-  <mc:AlternateContent xmlns:mc="http://schemas.openxmlformats.org/markup-compatibility/2006">
-    <mc:Choice xmlns:p15="http://schemas.microsoft.com/office/powerpoint/2012/main" Requires="p15">
+  <mc:AlternateContent xmlns:mc="http://schemas.openxmlformats.org/markup-compatibility/2006" xmlns:p15="http://schemas.microsoft.com/office/powerpoint/2012/main">
+    <mc:Choice Requires="p15">
       <p:transition xmlns:p14="http://schemas.microsoft.com/office/powerpoint/2010/main" spd="slow" p14:dur="1250">
         <p15:prstTrans prst="pageCurlDouble"/>
       </p:transition>
     </mc:Choice>
-    <mc:Fallback>
+    <mc:Fallback xmlns="">
       <p:transition spd="slow">
         <p:fade/>
       </p:transition>
@@ -10841,8 +10877,8 @@
         </p:nvSpPr>
         <p:spPr>
           <a:xfrm>
-            <a:off x="714125" y="1624404"/>
-            <a:ext cx="7716000" cy="1464415"/>
+            <a:off x="322238" y="1535026"/>
+            <a:ext cx="8326747" cy="1464415"/>
           </a:xfrm>
         </p:spPr>
         <p:txBody>
@@ -10854,15 +10890,47 @@
             </a:pPr>
             <a:r>
               <a:rPr lang="bg-BG" sz="2000" dirty="0" smtClean="0"/>
-              <a:t>Проектът е предназначен както за учениците между 1ви и 12ти клас така и за всеки, които иска да </a:t>
+              <a:t>Проектът е предназначен както за учениците между </a:t>
             </a:r>
             <a:r>
               <a:rPr lang="bg-BG" sz="2000" dirty="0" smtClean="0"/>
-              <a:t>продаде или дари </a:t>
+              <a:t>1. </a:t>
             </a:r>
             <a:r>
               <a:rPr lang="bg-BG" sz="2000" dirty="0" smtClean="0"/>
-              <a:t>свойте ненужни учебни помагала.</a:t>
+              <a:t>и </a:t>
+            </a:r>
+            <a:r>
+              <a:rPr lang="bg-BG" sz="2000" dirty="0" smtClean="0"/>
+              <a:t>12. клас</a:t>
+            </a:r>
+            <a:r>
+              <a:rPr lang="en-US" sz="2000" dirty="0" smtClean="0"/>
+              <a:t>,</a:t>
+            </a:r>
+            <a:r>
+              <a:rPr lang="bg-BG" sz="2000" dirty="0" smtClean="0"/>
+              <a:t> </a:t>
+            </a:r>
+            <a:r>
+              <a:rPr lang="bg-BG" sz="2000" dirty="0" smtClean="0"/>
+              <a:t>така и за всеки, които иска да продаде или дари </a:t>
+            </a:r>
+            <a:r>
+              <a:rPr lang="bg-BG" sz="2000" dirty="0" smtClean="0"/>
+              <a:t>сво</a:t>
+            </a:r>
+            <a:r>
+              <a:rPr lang="bg-BG" sz="2000" dirty="0"/>
+              <a:t>и</a:t>
+            </a:r>
+            <a:r>
+              <a:rPr lang="bg-BG" sz="2000" dirty="0" smtClean="0"/>
+              <a:t>те </a:t>
+            </a:r>
+            <a:r>
+              <a:rPr lang="bg-BG" sz="2000" dirty="0" smtClean="0"/>
+              <a:t>ненужни учебни помагала.</a:t>
             </a:r>
             <a:endParaRPr lang="bg-BG" sz="2000" dirty="0"/>
           </a:p>
@@ -10902,11 +10970,11 @@
   <p:clrMapOvr>
     <a:masterClrMapping/>
   </p:clrMapOvr>
-  <mc:AlternateContent xmlns:mc="http://schemas.openxmlformats.org/markup-compatibility/2006">
-    <mc:Choice xmlns:p14="http://schemas.microsoft.com/office/powerpoint/2010/main" Requires="p14">
+  <mc:AlternateContent xmlns:mc="http://schemas.openxmlformats.org/markup-compatibility/2006" xmlns:p14="http://schemas.microsoft.com/office/powerpoint/2010/main">
+    <mc:Choice Requires="p14">
       <p:transition p14:dur="0"/>
     </mc:Choice>
-    <mc:Fallback>
+    <mc:Fallback xmlns="">
       <p:transition/>
     </mc:Fallback>
   </mc:AlternateContent>
@@ -11995,11 +12063,11 @@
   <p:clrMapOvr>
     <a:masterClrMapping/>
   </p:clrMapOvr>
-  <mc:AlternateContent xmlns:mc="http://schemas.openxmlformats.org/markup-compatibility/2006">
-    <mc:Choice xmlns:p14="http://schemas.microsoft.com/office/powerpoint/2010/main" Requires="p14">
+  <mc:AlternateContent xmlns:mc="http://schemas.openxmlformats.org/markup-compatibility/2006" xmlns:p14="http://schemas.microsoft.com/office/powerpoint/2010/main">
+    <mc:Choice Requires="p14">
       <p:transition p14:dur="0"/>
     </mc:Choice>
-    <mc:Fallback>
+    <mc:Fallback xmlns="">
       <p:transition/>
     </mc:Fallback>
   </mc:AlternateContent>
@@ -12268,7 +12336,31 @@
                 <a:cs typeface="Roboto"/>
                 <a:sym typeface="Roboto"/>
               </a:rPr>
-              <a:t>Изготвяне на съпътващата документация</a:t>
+              <a:t>Изготвяне на </a:t>
+            </a:r>
+            <a:r>
+              <a:rPr lang="bg-BG" dirty="0" smtClean="0">
+                <a:solidFill>
+                  <a:schemeClr val="dk2"/>
+                </a:solidFill>
+                <a:latin typeface="Roboto"/>
+                <a:ea typeface="Roboto"/>
+                <a:cs typeface="Roboto"/>
+                <a:sym typeface="Roboto"/>
+              </a:rPr>
+              <a:t>съпътваща </a:t>
+            </a:r>
+            <a:r>
+              <a:rPr lang="bg-BG" dirty="0" smtClean="0">
+                <a:solidFill>
+                  <a:schemeClr val="dk2"/>
+                </a:solidFill>
+                <a:latin typeface="Roboto"/>
+                <a:ea typeface="Roboto"/>
+                <a:cs typeface="Roboto"/>
+                <a:sym typeface="Roboto"/>
+              </a:rPr>
+              <a:t>документация</a:t>
             </a:r>
             <a:endParaRPr dirty="0">
               <a:solidFill>
@@ -12560,19 +12652,7 @@
                 <a:cs typeface="Libre Baskerville"/>
                 <a:sym typeface="Libre Baskerville"/>
               </a:rPr>
-              <a:t>Създаване на </a:t>
-            </a:r>
-            <a:r>
-              <a:rPr lang="bg-BG" sz="2000" b="1" dirty="0" smtClean="0">
-                <a:solidFill>
-                  <a:schemeClr val="dk2"/>
-                </a:solidFill>
-                <a:latin typeface="Libre Baskerville"/>
-                <a:ea typeface="Libre Baskerville"/>
-                <a:cs typeface="Libre Baskerville"/>
-                <a:sym typeface="Libre Baskerville"/>
-              </a:rPr>
-              <a:t>БД</a:t>
+              <a:t>Създаване на БД</a:t>
             </a:r>
             <a:endParaRPr sz="2000" b="1" dirty="0">
               <a:solidFill>
@@ -13315,11 +13395,11 @@
   <p:clrMapOvr>
     <a:masterClrMapping/>
   </p:clrMapOvr>
-  <mc:AlternateContent xmlns:mc="http://schemas.openxmlformats.org/markup-compatibility/2006">
-    <mc:Choice xmlns:p14="http://schemas.microsoft.com/office/powerpoint/2010/main" Requires="p14">
+  <mc:AlternateContent xmlns:mc="http://schemas.openxmlformats.org/markup-compatibility/2006" xmlns:p14="http://schemas.microsoft.com/office/powerpoint/2010/main">
+    <mc:Choice Requires="p14">
       <p:transition p14:dur="0"/>
     </mc:Choice>
-    <mc:Fallback>
+    <mc:Fallback xmlns="">
       <p:transition/>
     </mc:Fallback>
   </mc:AlternateContent>
@@ -14066,8 +14146,8 @@
         </p:nvSpPr>
         <p:spPr>
           <a:xfrm>
-            <a:off x="714125" y="1136289"/>
-            <a:ext cx="5429364" cy="3800096"/>
+            <a:off x="714125" y="1108040"/>
+            <a:ext cx="5429364" cy="3828345"/>
           </a:xfrm>
           <a:prstGeom prst="rect">
             <a:avLst/>
@@ -14094,11 +14174,7 @@
             </a:pPr>
             <a:r>
               <a:rPr lang="en-US" dirty="0" smtClean="0"/>
-              <a:t>Visual Studio </a:t>
-            </a:r>
-            <a:r>
-              <a:rPr lang="en-US" dirty="0" smtClean="0"/>
-              <a:t>2022</a:t>
+              <a:t>Visual Studio 2022</a:t>
             </a:r>
             <a:r>
               <a:rPr lang="bg-BG" dirty="0" smtClean="0"/>
@@ -14465,7 +14541,57 @@
             </a:r>
             <a:r>
               <a:rPr lang="bg-BG" dirty="0" smtClean="0"/>
-              <a:t>– мокване на тестове.</a:t>
+              <a:t>– мокване на </a:t>
+            </a:r>
+            <a:r>
+              <a:rPr lang="bg-BG" dirty="0" smtClean="0"/>
+              <a:t>тестове</a:t>
+            </a:r>
+            <a:r>
+              <a:rPr lang="bg-BG" dirty="0"/>
+              <a:t>;</a:t>
+            </a:r>
+            <a:endParaRPr lang="bg-BG" dirty="0" smtClean="0"/>
+          </a:p>
+          <a:p>
+            <a:pPr marL="457200" lvl="0" indent="-317500" algn="l" rtl="0">
+              <a:spcBef>
+                <a:spcPts val="0"/>
+              </a:spcBef>
+              <a:spcAft>
+                <a:spcPts val="0"/>
+              </a:spcAft>
+              <a:buClr>
+                <a:schemeClr val="dk2"/>
+              </a:buClr>
+              <a:buSzPts val="1400"/>
+              <a:buChar char="●"/>
+            </a:pPr>
+            <a:endParaRPr lang="bg-BG" dirty="0">
+              <a:solidFill>
+                <a:schemeClr val="dk2"/>
+              </a:solidFill>
+            </a:endParaRPr>
+          </a:p>
+          <a:p>
+            <a:pPr lvl="0" indent="-317500">
+              <a:buSzPts val="1400"/>
+            </a:pPr>
+            <a:r>
+              <a:rPr lang="en-US" dirty="0" err="1" smtClean="0"/>
+              <a:t>HtmlSanitizer</a:t>
+            </a:r>
+            <a:r>
+              <a:rPr lang="bg-BG" dirty="0" smtClean="0"/>
+              <a:t> – защита </a:t>
+            </a:r>
+            <a:r>
+              <a:rPr lang="bg-BG" smtClean="0"/>
+              <a:t>срещу хакерски атаки</a:t>
+            </a:r>
+            <a:r>
+              <a:rPr lang="bg-BG" dirty="0" smtClean="0"/>
+              <a:t>.</a:t>
             </a:r>
             <a:endParaRPr lang="en-US" dirty="0" smtClean="0">
               <a:solidFill>
@@ -14511,11 +14637,7 @@
             </a:pPr>
             <a:r>
               <a:rPr lang="bg-BG" sz="4200" dirty="0" smtClean="0"/>
-              <a:t>Използван </a:t>
-            </a:r>
-            <a:r>
-              <a:rPr lang="bg-BG" sz="4200" dirty="0" smtClean="0"/>
-              <a:t>софтуер</a:t>
+              <a:t>Използван софтуер</a:t>
             </a:r>
             <a:r>
               <a:rPr lang="en-US" sz="4200" dirty="0" smtClean="0"/>
@@ -16926,11 +17048,11 @@
   <p:clrMapOvr>
     <a:masterClrMapping/>
   </p:clrMapOvr>
-  <mc:AlternateContent xmlns:mc="http://schemas.openxmlformats.org/markup-compatibility/2006">
-    <mc:Choice xmlns:p14="http://schemas.microsoft.com/office/powerpoint/2010/main" Requires="p14">
+  <mc:AlternateContent xmlns:mc="http://schemas.openxmlformats.org/markup-compatibility/2006" xmlns:p14="http://schemas.microsoft.com/office/powerpoint/2010/main">
+    <mc:Choice Requires="p14">
       <p:transition p14:dur="0"/>
     </mc:Choice>
-    <mc:Fallback>
+    <mc:Fallback xmlns="">
       <p:transition/>
     </mc:Fallback>
   </mc:AlternateContent>
@@ -17132,11 +17254,11 @@
   <p:clrMapOvr>
     <a:masterClrMapping/>
   </p:clrMapOvr>
-  <mc:AlternateContent xmlns:mc="http://schemas.openxmlformats.org/markup-compatibility/2006">
-    <mc:Choice xmlns:p14="http://schemas.microsoft.com/office/powerpoint/2010/main" Requires="p14">
+  <mc:AlternateContent xmlns:mc="http://schemas.openxmlformats.org/markup-compatibility/2006" xmlns:p14="http://schemas.microsoft.com/office/powerpoint/2010/main">
+    <mc:Choice Requires="p14">
       <p:transition p14:dur="0"/>
     </mc:Choice>
-    <mc:Fallback>
+    <mc:Fallback xmlns="">
       <p:transition/>
     </mc:Fallback>
   </mc:AlternateContent>
@@ -17352,11 +17474,11 @@
   <p:clrMapOvr>
     <a:masterClrMapping/>
   </p:clrMapOvr>
-  <mc:AlternateContent xmlns:mc="http://schemas.openxmlformats.org/markup-compatibility/2006">
-    <mc:Choice xmlns:p14="http://schemas.microsoft.com/office/powerpoint/2010/main" Requires="p14">
+  <mc:AlternateContent xmlns:mc="http://schemas.openxmlformats.org/markup-compatibility/2006" xmlns:p14="http://schemas.microsoft.com/office/powerpoint/2010/main">
+    <mc:Choice Requires="p14">
       <p:transition p14:dur="0"/>
     </mc:Choice>
-    <mc:Fallback>
+    <mc:Fallback xmlns="">
       <p:transition/>
     </mc:Fallback>
   </mc:AlternateContent>
